--- a/slides.pptx
+++ b/slides.pptx
@@ -4659,7 +4659,7 @@
           <a:p>
             <a:fld id="{36562140-B735-4C60-B3C5-92EB3D8B05CE}" type="datetimeFigureOut">
               <a:rPr lang="en-US" smtClean="0"/>
-              <a:t>3/17/2017</a:t>
+              <a:t>3/18/2017</a:t>
             </a:fld>
             <a:endParaRPr lang="en-US"/>
           </a:p>
@@ -4824,7 +4824,7 @@
           <a:p>
             <a:fld id="{E818593E-236C-4E05-BB72-B29AB3CB2993}" type="datetimeFigureOut">
               <a:rPr lang="en-US" smtClean="0"/>
-              <a:t>3/17/2017</a:t>
+              <a:t>3/18/2017</a:t>
             </a:fld>
             <a:endParaRPr lang="en-US"/>
           </a:p>
@@ -5430,7 +5430,7 @@
           <a:p>
             <a:fld id="{FDB08721-E45B-4A66-93A6-531BE00DB2CF}" type="datetimeFigureOut">
               <a:rPr lang="en-US" smtClean="0"/>
-              <a:t>3/17/2017</a:t>
+              <a:t>3/18/2017</a:t>
             </a:fld>
             <a:endParaRPr lang="en-US"/>
           </a:p>
@@ -5734,7 +5734,7 @@
           <a:p>
             <a:fld id="{FDB08721-E45B-4A66-93A6-531BE00DB2CF}" type="datetimeFigureOut">
               <a:rPr lang="en-US" smtClean="0"/>
-              <a:t>3/17/2017</a:t>
+              <a:t>3/18/2017</a:t>
             </a:fld>
             <a:endParaRPr lang="en-US"/>
           </a:p>
@@ -5914,7 +5914,7 @@
           <a:p>
             <a:fld id="{FDB08721-E45B-4A66-93A6-531BE00DB2CF}" type="datetimeFigureOut">
               <a:rPr lang="en-US" smtClean="0"/>
-              <a:t>3/17/2017</a:t>
+              <a:t>3/18/2017</a:t>
             </a:fld>
             <a:endParaRPr lang="en-US"/>
           </a:p>
@@ -6084,7 +6084,7 @@
           <a:p>
             <a:fld id="{FDB08721-E45B-4A66-93A6-531BE00DB2CF}" type="datetimeFigureOut">
               <a:rPr lang="en-US" smtClean="0"/>
-              <a:t>3/17/2017</a:t>
+              <a:t>3/18/2017</a:t>
             </a:fld>
             <a:endParaRPr lang="en-US"/>
           </a:p>
@@ -6340,7 +6340,7 @@
           <a:p>
             <a:fld id="{FDB08721-E45B-4A66-93A6-531BE00DB2CF}" type="datetimeFigureOut">
               <a:rPr lang="en-US" smtClean="0"/>
-              <a:t>3/17/2017</a:t>
+              <a:t>3/18/2017</a:t>
             </a:fld>
             <a:endParaRPr lang="en-US"/>
           </a:p>
@@ -6628,7 +6628,7 @@
           <a:p>
             <a:fld id="{FDB08721-E45B-4A66-93A6-531BE00DB2CF}" type="datetimeFigureOut">
               <a:rPr lang="en-US" smtClean="0"/>
-              <a:t>3/17/2017</a:t>
+              <a:t>3/18/2017</a:t>
             </a:fld>
             <a:endParaRPr lang="en-US"/>
           </a:p>
@@ -7066,7 +7066,7 @@
           <a:p>
             <a:fld id="{FDB08721-E45B-4A66-93A6-531BE00DB2CF}" type="datetimeFigureOut">
               <a:rPr lang="en-US" smtClean="0"/>
-              <a:t>3/17/2017</a:t>
+              <a:t>3/18/2017</a:t>
             </a:fld>
             <a:endParaRPr lang="en-US"/>
           </a:p>
@@ -7184,7 +7184,7 @@
           <a:p>
             <a:fld id="{FDB08721-E45B-4A66-93A6-531BE00DB2CF}" type="datetimeFigureOut">
               <a:rPr lang="en-US" smtClean="0"/>
-              <a:t>3/17/2017</a:t>
+              <a:t>3/18/2017</a:t>
             </a:fld>
             <a:endParaRPr lang="en-US"/>
           </a:p>
@@ -7279,7 +7279,7 @@
           <a:p>
             <a:fld id="{FDB08721-E45B-4A66-93A6-531BE00DB2CF}" type="datetimeFigureOut">
               <a:rPr lang="en-US" smtClean="0"/>
-              <a:t>3/17/2017</a:t>
+              <a:t>3/18/2017</a:t>
             </a:fld>
             <a:endParaRPr lang="en-US"/>
           </a:p>
@@ -7635,7 +7635,7 @@
           <a:p>
             <a:fld id="{FDB08721-E45B-4A66-93A6-531BE00DB2CF}" type="datetimeFigureOut">
               <a:rPr lang="en-US" smtClean="0"/>
-              <a:t>3/17/2017</a:t>
+              <a:t>3/18/2017</a:t>
             </a:fld>
             <a:endParaRPr lang="en-US"/>
           </a:p>
@@ -7951,7 +7951,7 @@
           <a:p>
             <a:fld id="{FDB08721-E45B-4A66-93A6-531BE00DB2CF}" type="datetimeFigureOut">
               <a:rPr lang="en-US" smtClean="0"/>
-              <a:t>3/17/2017</a:t>
+              <a:t>3/18/2017</a:t>
             </a:fld>
             <a:endParaRPr lang="en-US"/>
           </a:p>
@@ -8187,7 +8187,7 @@
             <a:fld id="{FDB08721-E45B-4A66-93A6-531BE00DB2CF}" type="datetimeFigureOut">
               <a:rPr lang="en-US" smtClean="0"/>
               <a:pPr/>
-              <a:t>3/17/2017</a:t>
+              <a:t>3/18/2017</a:t>
             </a:fld>
             <a:endParaRPr lang="en-US"/>
           </a:p>
@@ -8952,7 +8952,6 @@
               <a:rPr lang="en-US" dirty="0"/>
               <a:t>Isn't This Going to Get Messy?</a:t>
             </a:r>
-            <a:endParaRPr lang="en-US" dirty="0"/>
           </a:p>
         </p:txBody>
       </p:sp>
@@ -8998,27 +8997,8 @@
                 </a:solidFill>
                 <a:latin typeface="Consolas" panose="020B0609020204030204" pitchFamily="49" charset="0"/>
               </a:rPr>
-              <a:t>// this isn</a:t>
-            </a:r>
-            <a:r>
-              <a:rPr lang="en-US" sz="1600" dirty="0">
-                <a:solidFill>
-                  <a:schemeClr val="bg2">
-                    <a:lumMod val="75000"/>
-                  </a:schemeClr>
-                </a:solidFill>
-                <a:latin typeface="Consolas" panose="020B0609020204030204" pitchFamily="49" charset="0"/>
-              </a:rPr>
-              <a:t>'t cool</a:t>
-            </a:r>
-            <a:endParaRPr lang="en-US" sz="1600" dirty="0">
-              <a:solidFill>
-                <a:schemeClr val="bg2">
-                  <a:lumMod val="75000"/>
-                </a:schemeClr>
-              </a:solidFill>
-              <a:latin typeface="Consolas" panose="020B0609020204030204" pitchFamily="49" charset="0"/>
-            </a:endParaRPr>
+              <a:t>// this isn't cool</a:t>
+            </a:r>
           </a:p>
           <a:p>
             <a:pPr marL="0">
@@ -9241,16 +9221,7 @@
                 </a:solidFill>
                 <a:latin typeface="Consolas" panose="020B0609020204030204" pitchFamily="49" charset="0"/>
               </a:rPr>
-              <a:t>v</a:t>
-            </a:r>
-            <a:r>
-              <a:rPr lang="en-US" sz="1600" dirty="0" err="1">
-                <a:solidFill>
-                  <a:schemeClr val="bg1"/>
-                </a:solidFill>
-                <a:latin typeface="Consolas" panose="020B0609020204030204" pitchFamily="49" charset="0"/>
-              </a:rPr>
-              <a:t>ar</a:t>
+              <a:t>var</a:t>
             </a:r>
             <a:r>
               <a:rPr lang="en-US" sz="1600" dirty="0">
@@ -9321,16 +9292,7 @@
                 </a:solidFill>
                 <a:latin typeface="Consolas" panose="020B0609020204030204" pitchFamily="49" charset="0"/>
               </a:rPr>
-              <a:t>a</a:t>
-            </a:r>
-            <a:r>
-              <a:rPr lang="en-US" sz="1600" dirty="0" err="1">
-                <a:solidFill>
-                  <a:schemeClr val="bg1"/>
-                </a:solidFill>
-                <a:latin typeface="Consolas" panose="020B0609020204030204" pitchFamily="49" charset="0"/>
-              </a:rPr>
-              <a:t>.DoSomething</a:t>
+              <a:t>a.DoSomething</a:t>
             </a:r>
             <a:r>
               <a:rPr lang="en-US" sz="1600" dirty="0">
@@ -9536,7 +9498,6 @@
               <a:rPr lang="en-US" dirty="0"/>
               <a:t>DI by Example </a:t>
             </a:r>
-            <a:endParaRPr lang="en-US" dirty="0"/>
           </a:p>
         </p:txBody>
       </p:sp>
@@ -10017,12 +9978,6 @@
               </a:rPr>
               <a:t>&gt;();</a:t>
             </a:r>
-            <a:endParaRPr lang="en-US" sz="1600" dirty="0">
-              <a:solidFill>
-                <a:schemeClr val="bg1"/>
-              </a:solidFill>
-              <a:latin typeface="Consolas" panose="020B0609020204030204" pitchFamily="49" charset="0"/>
-            </a:endParaRPr>
           </a:p>
           <a:p>
             <a:pPr marL="0">
@@ -10203,25 +10158,7 @@
                 </a:solidFill>
                 <a:latin typeface="Consolas" panose="020B0609020204030204" pitchFamily="49" charset="0"/>
               </a:rPr>
-              <a:t> </a:t>
-            </a:r>
-            <a:r>
-              <a:rPr lang="en-US" sz="1600" dirty="0">
-                <a:solidFill>
-                  <a:schemeClr val="bg1"/>
-                </a:solidFill>
-                <a:latin typeface="Consolas" panose="020B0609020204030204" pitchFamily="49" charset="0"/>
-              </a:rPr>
-              <a:t>logger</a:t>
-            </a:r>
-            <a:r>
-              <a:rPr lang="en-US" sz="1600" dirty="0">
-                <a:solidFill>
-                  <a:schemeClr val="bg1"/>
-                </a:solidFill>
-                <a:latin typeface="Consolas" panose="020B0609020204030204" pitchFamily="49" charset="0"/>
-              </a:rPr>
-              <a:t>) {</a:t>
+              <a:t> logger) {</a:t>
             </a:r>
           </a:p>
           <a:p>
@@ -11187,25 +11124,7 @@
                 </a:solidFill>
                 <a:latin typeface="Consolas" panose="020B0609020204030204" pitchFamily="49" charset="0"/>
               </a:rPr>
-              <a:t> app) </a:t>
-            </a:r>
-            <a:r>
-              <a:rPr lang="en-US" sz="1800" dirty="0">
-                <a:solidFill>
-                  <a:schemeClr val="bg1"/>
-                </a:solidFill>
-                <a:latin typeface="Consolas" panose="020B0609020204030204" pitchFamily="49" charset="0"/>
-              </a:rPr>
-              <a:t>{</a:t>
-            </a:r>
-            <a:r>
-              <a:rPr lang="en-US" sz="1800" dirty="0">
-                <a:solidFill>
-                  <a:schemeClr val="bg1"/>
-                </a:solidFill>
-                <a:latin typeface="Consolas" panose="020B0609020204030204" pitchFamily="49" charset="0"/>
-              </a:rPr>
-              <a:t> ... }</a:t>
+              <a:t> app) { ... }</a:t>
             </a:r>
           </a:p>
           <a:p>
@@ -11483,12 +11402,6 @@
               </a:rPr>
               <a:t> }</a:t>
             </a:r>
-            <a:endParaRPr lang="en-US" sz="1800" dirty="0">
-              <a:solidFill>
-                <a:schemeClr val="bg1"/>
-              </a:solidFill>
-              <a:latin typeface="Consolas" panose="020B0609020204030204" pitchFamily="49" charset="0"/>
-            </a:endParaRPr>
           </a:p>
         </p:txBody>
       </p:sp>
@@ -12076,12 +11989,6 @@
               </a:rPr>
               <a:t> }</a:t>
             </a:r>
-            <a:endParaRPr lang="en-US" sz="1600" dirty="0">
-              <a:solidFill>
-                <a:schemeClr val="bg1"/>
-              </a:solidFill>
-              <a:latin typeface="Consolas" panose="020B0609020204030204" pitchFamily="49" charset="0"/>
-            </a:endParaRPr>
           </a:p>
         </p:txBody>
       </p:sp>
@@ -12732,12 +12639,6 @@
               </a:rPr>
               <a:t> }</a:t>
             </a:r>
-            <a:endParaRPr lang="en-US" sz="1600" dirty="0">
-              <a:solidFill>
-                <a:schemeClr val="bg1"/>
-              </a:solidFill>
-              <a:latin typeface="Consolas" panose="020B0609020204030204" pitchFamily="49" charset="0"/>
-            </a:endParaRPr>
           </a:p>
         </p:txBody>
       </p:sp>
@@ -15256,34 +15157,7 @@
                 </a:solidFill>
                 <a:latin typeface="Consolas" panose="020B0609020204030204" pitchFamily="49" charset="0"/>
               </a:rPr>
-              <a:t>&lt;!</a:t>
-            </a:r>
-            <a:r>
-              <a:rPr lang="en-US" sz="1800" dirty="0">
-                <a:solidFill>
-                  <a:srgbClr val="92D050"/>
-                </a:solidFill>
-                <a:latin typeface="Consolas" panose="020B0609020204030204" pitchFamily="49" charset="0"/>
-              </a:rPr>
-              <a:t>--</a:t>
-            </a:r>
-            <a:r>
-              <a:rPr lang="en-US" sz="1800" dirty="0">
-                <a:solidFill>
-                  <a:srgbClr val="92D050"/>
-                </a:solidFill>
-                <a:latin typeface="Consolas" panose="020B0609020204030204" pitchFamily="49" charset="0"/>
-              </a:rPr>
-              <a:t> Related Item Count </a:t>
-            </a:r>
-            <a:r>
-              <a:rPr lang="en-US" sz="1800" dirty="0">
-                <a:solidFill>
-                  <a:srgbClr val="92D050"/>
-                </a:solidFill>
-                <a:latin typeface="Consolas" panose="020B0609020204030204" pitchFamily="49" charset="0"/>
-              </a:rPr>
-              <a:t>--&gt;</a:t>
+              <a:t>&lt;!-- Related Item Count --&gt;</a:t>
             </a:r>
             <a:r>
               <a:rPr lang="en-US" sz="1800" dirty="0">
@@ -16599,7 +16473,12 @@
             <p:ph type="title"/>
           </p:nvPr>
         </p:nvSpPr>
-        <p:spPr/>
+        <p:spPr>
+          <a:xfrm>
+            <a:off x="657224" y="116075"/>
+            <a:ext cx="10772775" cy="1658198"/>
+          </a:xfrm>
+        </p:spPr>
         <p:txBody>
           <a:bodyPr/>
           <a:lstStyle/>
@@ -16623,7 +16502,7 @@
         </p:nvSpPr>
         <p:spPr>
           <a:xfrm>
-            <a:off x="657224" y="2473375"/>
+            <a:off x="657224" y="2089917"/>
             <a:ext cx="4981194" cy="1223135"/>
           </a:xfrm>
         </p:spPr>
@@ -16678,7 +16557,7 @@
         </p:blipFill>
         <p:spPr>
           <a:xfrm>
-            <a:off x="6235812" y="2157731"/>
+            <a:off x="6235812" y="1774273"/>
             <a:ext cx="4953088" cy="1308034"/>
           </a:xfrm>
           <a:prstGeom prst="rect">
@@ -16694,7 +16573,7 @@
         </p:nvSpPr>
         <p:spPr>
           <a:xfrm>
-            <a:off x="6138238" y="3465765"/>
+            <a:off x="6138238" y="3082307"/>
             <a:ext cx="5381624" cy="615553"/>
           </a:xfrm>
           <a:prstGeom prst="rect">
@@ -16744,7 +16623,7 @@
         </p:nvSpPr>
         <p:spPr>
           <a:xfrm>
-            <a:off x="6136234" y="4716705"/>
+            <a:off x="6136234" y="4333247"/>
             <a:ext cx="5293765" cy="1345294"/>
           </a:xfrm>
           <a:prstGeom prst="rect">
@@ -17034,7 +16913,7 @@
         </p:nvSpPr>
         <p:spPr>
           <a:xfrm>
-            <a:off x="657224" y="4716705"/>
+            <a:off x="657224" y="4333247"/>
             <a:ext cx="5293765" cy="1345294"/>
           </a:xfrm>
           <a:prstGeom prst="rect">
@@ -17302,6 +17181,71 @@
               <a:rPr lang="en-US" sz="2000" dirty="0"/>
               <a:t>Organizer of Beer City Code</a:t>
             </a:r>
+          </a:p>
+        </p:txBody>
+      </p:sp>
+      <p:sp>
+        <p:nvSpPr>
+          <p:cNvPr id="8" name="Title 1"/>
+          <p:cNvSpPr txBox="1">
+            <a:spLocks/>
+          </p:cNvSpPr>
+          <p:nvPr/>
+        </p:nvSpPr>
+        <p:spPr>
+          <a:xfrm>
+            <a:off x="657224" y="5942426"/>
+            <a:ext cx="10772775" cy="628815"/>
+          </a:xfrm>
+          <a:prstGeom prst="rect">
+            <a:avLst/>
+          </a:prstGeom>
+        </p:spPr>
+        <p:txBody>
+          <a:bodyPr vert="horz" lIns="91440" tIns="45720" rIns="91440" bIns="45720" rtlCol="0" anchor="ctr">
+            <a:normAutofit/>
+          </a:bodyPr>
+          <a:lstStyle>
+            <a:lvl1pPr algn="l" defTabSz="914400" rtl="0" eaLnBrk="1" latinLnBrk="0" hangingPunct="1">
+              <a:lnSpc>
+                <a:spcPct val="85000"/>
+              </a:lnSpc>
+              <a:spcBef>
+                <a:spcPct val="0"/>
+              </a:spcBef>
+              <a:buNone/>
+              <a:defRPr sz="5400" kern="1200" spc="-120" baseline="0">
+                <a:solidFill>
+                  <a:schemeClr val="accent1"/>
+                </a:solidFill>
+                <a:latin typeface="Segoe UI" panose="020B0502040204020203" pitchFamily="34" charset="0"/>
+                <a:ea typeface="+mj-ea"/>
+                <a:cs typeface="Segoe UI" panose="020B0502040204020203" pitchFamily="34" charset="0"/>
+              </a:defRPr>
+            </a:lvl1pPr>
+          </a:lstStyle>
+          <a:p>
+            <a:r>
+              <a:rPr lang="en-US" sz="3200" dirty="0"/>
+              <a:t>github.com/</a:t>
+            </a:r>
+            <a:r>
+              <a:rPr lang="en-US" sz="3200" dirty="0" err="1"/>
+              <a:t>jonathantower</a:t>
+            </a:r>
+            <a:r>
+              <a:rPr lang="en-US" sz="3200" dirty="0"/>
+              <a:t>/</a:t>
+            </a:r>
+            <a:r>
+              <a:rPr lang="en-US" sz="3200" dirty="0" err="1"/>
+              <a:t>aspnet</a:t>
+            </a:r>
+            <a:r>
+              <a:rPr lang="en-US" sz="3200" dirty="0"/>
+              <a:t>-core-di</a:t>
+            </a:r>
+            <a:endParaRPr lang="en-US" sz="3200" dirty="0"/>
           </a:p>
         </p:txBody>
       </p:sp>
@@ -19465,11 +19409,7 @@
           <a:p>
             <a:r>
               <a:rPr lang="en-US" dirty="0"/>
-              <a:t>"New Is Glue“ </a:t>
-            </a:r>
-            <a:r>
-              <a:rPr lang="en-US" dirty="0"/>
-              <a:t>- Steve Smith (aka @</a:t>
+              <a:t>"New Is Glue“ - Steve Smith (aka @</a:t>
             </a:r>
             <a:r>
               <a:rPr lang="en-US" dirty="0" err="1"/>
@@ -19479,7 +19419,6 @@
               <a:rPr lang="en-US" dirty="0"/>
               <a:t>)</a:t>
             </a:r>
-            <a:endParaRPr lang="en-US" dirty="0"/>
           </a:p>
           <a:p>
             <a:r>
